--- a/Software Architecture and design/Software Design and Architecture/week 1/Lecture 3.pptx
+++ b/Software Architecture and design/Software Design and Architecture/week 1/Lecture 3.pptx
@@ -119,6 +119,11 @@
       </a:defRPr>
     </a:lvl9pPr>
   </p:defaultTextStyle>
+  <p:extLst>
+    <p:ext uri="{EFAFB233-063F-42B5-8137-9DF3F51BA10A}">
+      <p15:sldGuideLst xmlns:p15="http://schemas.microsoft.com/office/powerpoint/2012/main"/>
+    </p:ext>
+  </p:extLst>
 </p:presentation>
 </file>
 
@@ -253,7 +258,7 @@
           <a:p>
             <a:fld id="{CEF0E4DD-521B-4DEE-909A-C38118AFC972}" type="datetimeFigureOut">
               <a:rPr lang="en-US" smtClean="0"/>
-              <a:t>4/28/2020</a:t>
+              <a:t>9/5/2020</a:t>
             </a:fld>
             <a:endParaRPr lang="en-US"/>
           </a:p>
@@ -423,7 +428,7 @@
           <a:p>
             <a:fld id="{CEF0E4DD-521B-4DEE-909A-C38118AFC972}" type="datetimeFigureOut">
               <a:rPr lang="en-US" smtClean="0"/>
-              <a:t>4/28/2020</a:t>
+              <a:t>9/5/2020</a:t>
             </a:fld>
             <a:endParaRPr lang="en-US"/>
           </a:p>
@@ -603,7 +608,7 @@
           <a:p>
             <a:fld id="{CEF0E4DD-521B-4DEE-909A-C38118AFC972}" type="datetimeFigureOut">
               <a:rPr lang="en-US" smtClean="0"/>
-              <a:t>4/28/2020</a:t>
+              <a:t>9/5/2020</a:t>
             </a:fld>
             <a:endParaRPr lang="en-US"/>
           </a:p>
@@ -773,7 +778,7 @@
           <a:p>
             <a:fld id="{CEF0E4DD-521B-4DEE-909A-C38118AFC972}" type="datetimeFigureOut">
               <a:rPr lang="en-US" smtClean="0"/>
-              <a:t>4/28/2020</a:t>
+              <a:t>9/5/2020</a:t>
             </a:fld>
             <a:endParaRPr lang="en-US"/>
           </a:p>
@@ -1019,7 +1024,7 @@
           <a:p>
             <a:fld id="{CEF0E4DD-521B-4DEE-909A-C38118AFC972}" type="datetimeFigureOut">
               <a:rPr lang="en-US" smtClean="0"/>
-              <a:t>4/28/2020</a:t>
+              <a:t>9/5/2020</a:t>
             </a:fld>
             <a:endParaRPr lang="en-US"/>
           </a:p>
@@ -1251,7 +1256,7 @@
           <a:p>
             <a:fld id="{CEF0E4DD-521B-4DEE-909A-C38118AFC972}" type="datetimeFigureOut">
               <a:rPr lang="en-US" smtClean="0"/>
-              <a:t>4/28/2020</a:t>
+              <a:t>9/5/2020</a:t>
             </a:fld>
             <a:endParaRPr lang="en-US"/>
           </a:p>
@@ -1618,7 +1623,7 @@
           <a:p>
             <a:fld id="{CEF0E4DD-521B-4DEE-909A-C38118AFC972}" type="datetimeFigureOut">
               <a:rPr lang="en-US" smtClean="0"/>
-              <a:t>4/28/2020</a:t>
+              <a:t>9/5/2020</a:t>
             </a:fld>
             <a:endParaRPr lang="en-US"/>
           </a:p>
@@ -1736,7 +1741,7 @@
           <a:p>
             <a:fld id="{CEF0E4DD-521B-4DEE-909A-C38118AFC972}" type="datetimeFigureOut">
               <a:rPr lang="en-US" smtClean="0"/>
-              <a:t>4/28/2020</a:t>
+              <a:t>9/5/2020</a:t>
             </a:fld>
             <a:endParaRPr lang="en-US"/>
           </a:p>
@@ -1831,7 +1836,7 @@
           <a:p>
             <a:fld id="{CEF0E4DD-521B-4DEE-909A-C38118AFC972}" type="datetimeFigureOut">
               <a:rPr lang="en-US" smtClean="0"/>
-              <a:t>4/28/2020</a:t>
+              <a:t>9/5/2020</a:t>
             </a:fld>
             <a:endParaRPr lang="en-US"/>
           </a:p>
@@ -2108,7 +2113,7 @@
           <a:p>
             <a:fld id="{CEF0E4DD-521B-4DEE-909A-C38118AFC972}" type="datetimeFigureOut">
               <a:rPr lang="en-US" smtClean="0"/>
-              <a:t>4/28/2020</a:t>
+              <a:t>9/5/2020</a:t>
             </a:fld>
             <a:endParaRPr lang="en-US"/>
           </a:p>
@@ -2361,7 +2366,7 @@
           <a:p>
             <a:fld id="{CEF0E4DD-521B-4DEE-909A-C38118AFC972}" type="datetimeFigureOut">
               <a:rPr lang="en-US" smtClean="0"/>
-              <a:t>4/28/2020</a:t>
+              <a:t>9/5/2020</a:t>
             </a:fld>
             <a:endParaRPr lang="en-US"/>
           </a:p>
@@ -2574,7 +2579,7 @@
           <a:p>
             <a:fld id="{CEF0E4DD-521B-4DEE-909A-C38118AFC972}" type="datetimeFigureOut">
               <a:rPr lang="en-US" smtClean="0"/>
-              <a:t>4/28/2020</a:t>
+              <a:t>9/5/2020</a:t>
             </a:fld>
             <a:endParaRPr lang="en-US"/>
           </a:p>
@@ -3778,6 +3783,13 @@
   <p:clrMapOvr>
     <a:masterClrMapping/>
   </p:clrMapOvr>
+  <p:timing>
+    <p:tnLst>
+      <p:par>
+        <p:cTn id="1" dur="indefinite" restart="never" nodeType="tmRoot"/>
+      </p:par>
+    </p:tnLst>
+  </p:timing>
 </p:sld>
 </file>
 
